--- a/Assets/SmartMaker/Circuits.pptx
+++ b/Assets/SmartMaker/Circuits.pptx
@@ -304,7 +304,7 @@
           <a:p>
             <a:fld id="{FB30EDBD-1C2D-4C1E-B459-B60219FAB484}" type="datetimeFigureOut">
               <a:rPr lang="ko-KR" altLang="en-US" smtClean="0"/>
-              <a:t>2015-04-02</a:t>
+              <a:t>2015-05-01</a:t>
             </a:fld>
             <a:endParaRPr lang="ko-KR" altLang="en-US"/>
           </a:p>
@@ -469,7 +469,7 @@
           <a:p>
             <a:fld id="{FB30EDBD-1C2D-4C1E-B459-B60219FAB484}" type="datetimeFigureOut">
               <a:rPr lang="ko-KR" altLang="en-US" smtClean="0"/>
-              <a:t>2015-04-02</a:t>
+              <a:t>2015-05-01</a:t>
             </a:fld>
             <a:endParaRPr lang="ko-KR" altLang="en-US"/>
           </a:p>
@@ -644,7 +644,7 @@
           <a:p>
             <a:fld id="{FB30EDBD-1C2D-4C1E-B459-B60219FAB484}" type="datetimeFigureOut">
               <a:rPr lang="ko-KR" altLang="en-US" smtClean="0"/>
-              <a:t>2015-04-02</a:t>
+              <a:t>2015-05-01</a:t>
             </a:fld>
             <a:endParaRPr lang="ko-KR" altLang="en-US"/>
           </a:p>
@@ -809,7 +809,7 @@
           <a:p>
             <a:fld id="{FB30EDBD-1C2D-4C1E-B459-B60219FAB484}" type="datetimeFigureOut">
               <a:rPr lang="ko-KR" altLang="en-US" smtClean="0"/>
-              <a:t>2015-04-02</a:t>
+              <a:t>2015-05-01</a:t>
             </a:fld>
             <a:endParaRPr lang="ko-KR" altLang="en-US"/>
           </a:p>
@@ -1050,7 +1050,7 @@
           <a:p>
             <a:fld id="{FB30EDBD-1C2D-4C1E-B459-B60219FAB484}" type="datetimeFigureOut">
               <a:rPr lang="ko-KR" altLang="en-US" smtClean="0"/>
-              <a:t>2015-04-02</a:t>
+              <a:t>2015-05-01</a:t>
             </a:fld>
             <a:endParaRPr lang="ko-KR" altLang="en-US"/>
           </a:p>
@@ -1333,7 +1333,7 @@
           <a:p>
             <a:fld id="{FB30EDBD-1C2D-4C1E-B459-B60219FAB484}" type="datetimeFigureOut">
               <a:rPr lang="ko-KR" altLang="en-US" smtClean="0"/>
-              <a:t>2015-04-02</a:t>
+              <a:t>2015-05-01</a:t>
             </a:fld>
             <a:endParaRPr lang="ko-KR" altLang="en-US"/>
           </a:p>
@@ -1750,7 +1750,7 @@
           <a:p>
             <a:fld id="{FB30EDBD-1C2D-4C1E-B459-B60219FAB484}" type="datetimeFigureOut">
               <a:rPr lang="ko-KR" altLang="en-US" smtClean="0"/>
-              <a:t>2015-04-02</a:t>
+              <a:t>2015-05-01</a:t>
             </a:fld>
             <a:endParaRPr lang="ko-KR" altLang="en-US"/>
           </a:p>
@@ -1863,7 +1863,7 @@
           <a:p>
             <a:fld id="{FB30EDBD-1C2D-4C1E-B459-B60219FAB484}" type="datetimeFigureOut">
               <a:rPr lang="ko-KR" altLang="en-US" smtClean="0"/>
-              <a:t>2015-04-02</a:t>
+              <a:t>2015-05-01</a:t>
             </a:fld>
             <a:endParaRPr lang="ko-KR" altLang="en-US"/>
           </a:p>
@@ -1953,7 +1953,7 @@
           <a:p>
             <a:fld id="{FB30EDBD-1C2D-4C1E-B459-B60219FAB484}" type="datetimeFigureOut">
               <a:rPr lang="ko-KR" altLang="en-US" smtClean="0"/>
-              <a:t>2015-04-02</a:t>
+              <a:t>2015-05-01</a:t>
             </a:fld>
             <a:endParaRPr lang="ko-KR" altLang="en-US"/>
           </a:p>
@@ -2225,7 +2225,7 @@
           <a:p>
             <a:fld id="{FB30EDBD-1C2D-4C1E-B459-B60219FAB484}" type="datetimeFigureOut">
               <a:rPr lang="ko-KR" altLang="en-US" smtClean="0"/>
-              <a:t>2015-04-02</a:t>
+              <a:t>2015-05-01</a:t>
             </a:fld>
             <a:endParaRPr lang="ko-KR" altLang="en-US"/>
           </a:p>
@@ -2473,7 +2473,7 @@
           <a:p>
             <a:fld id="{FB30EDBD-1C2D-4C1E-B459-B60219FAB484}" type="datetimeFigureOut">
               <a:rPr lang="ko-KR" altLang="en-US" smtClean="0"/>
-              <a:t>2015-04-02</a:t>
+              <a:t>2015-05-01</a:t>
             </a:fld>
             <a:endParaRPr lang="ko-KR" altLang="en-US"/>
           </a:p>
@@ -2681,7 +2681,7 @@
           <a:p>
             <a:fld id="{FB30EDBD-1C2D-4C1E-B459-B60219FAB484}" type="datetimeFigureOut">
               <a:rPr lang="ko-KR" altLang="en-US" smtClean="0"/>
-              <a:t>2015-04-02</a:t>
+              <a:t>2015-05-01</a:t>
             </a:fld>
             <a:endParaRPr lang="ko-KR" altLang="en-US"/>
           </a:p>
@@ -3634,7 +3634,6 @@
               <a:rPr lang="en-US" altLang="ko-KR" dirty="0" smtClean="0"/>
               <a:t>Pull-down type</a:t>
             </a:r>
-            <a:endParaRPr lang="en-US" altLang="ko-KR" dirty="0" smtClean="0"/>
           </a:p>
           <a:p>
             <a:pPr marL="285750" indent="-285750">
@@ -3881,11 +3880,7 @@
           <a:p>
             <a:r>
               <a:rPr lang="en-US" altLang="ko-KR" dirty="0" smtClean="0"/>
-              <a:t>Photo Resistor</a:t>
-            </a:r>
-            <a:r>
-              <a:rPr lang="en-US" altLang="ko-KR" dirty="0" smtClean="0"/>
-              <a:t> Circuit</a:t>
+              <a:t>Photo Resistor Circuit</a:t>
             </a:r>
             <a:endParaRPr lang="ko-KR" altLang="en-US" dirty="0"/>
           </a:p>
@@ -4512,11 +4507,7 @@
           <a:p>
             <a:r>
               <a:rPr lang="en-US" altLang="ko-KR" dirty="0" smtClean="0"/>
-              <a:t>Flex Sensor</a:t>
-            </a:r>
-            <a:r>
-              <a:rPr lang="en-US" altLang="ko-KR" dirty="0" smtClean="0"/>
-              <a:t> Circuit</a:t>
+              <a:t>Flex Sensor Circuit</a:t>
             </a:r>
             <a:endParaRPr lang="ko-KR" altLang="en-US" dirty="0"/>
           </a:p>
@@ -5208,11 +5199,7 @@
           <a:p>
             <a:r>
               <a:rPr lang="en-US" altLang="ko-KR" dirty="0" smtClean="0"/>
-              <a:t>Temperature</a:t>
-            </a:r>
-            <a:r>
-              <a:rPr lang="en-US" altLang="ko-KR" dirty="0" smtClean="0"/>
-              <a:t> Circuit</a:t>
+              <a:t>Temperature Circuit</a:t>
             </a:r>
             <a:endParaRPr lang="ko-KR" altLang="en-US" dirty="0"/>
           </a:p>
@@ -5681,11 +5668,7 @@
           <a:p>
             <a:r>
               <a:rPr lang="en-US" altLang="ko-KR" dirty="0" smtClean="0"/>
-              <a:t>Servo Motor</a:t>
-            </a:r>
-            <a:r>
-              <a:rPr lang="en-US" altLang="ko-KR" dirty="0" smtClean="0"/>
-              <a:t> Circuit</a:t>
+              <a:t>Servo Motor Circuit</a:t>
             </a:r>
             <a:endParaRPr lang="ko-KR" altLang="en-US" dirty="0"/>
           </a:p>
@@ -6164,11 +6147,7 @@
           <a:p>
             <a:r>
               <a:rPr lang="en-US" altLang="ko-KR" dirty="0" smtClean="0"/>
-              <a:t>DC Motor</a:t>
-            </a:r>
-            <a:r>
-              <a:rPr lang="en-US" altLang="ko-KR" dirty="0" smtClean="0"/>
-              <a:t> Circuit</a:t>
+              <a:t>DC Motor Circuit</a:t>
             </a:r>
             <a:endParaRPr lang="ko-KR" altLang="en-US" dirty="0"/>
           </a:p>
@@ -6640,47 +6619,6 @@
       </p:pic>
       <p:pic>
         <p:nvPicPr>
-          <p:cNvPr id="17" name="Picture 14" descr="http://www.reuk.co.uk/OtherImages/labelled-transistor.jpg"/>
-          <p:cNvPicPr>
-            <a:picLocks noChangeAspect="1" noChangeArrowheads="1"/>
-          </p:cNvPicPr>
-          <p:nvPr/>
-        </p:nvPicPr>
-        <p:blipFill>
-          <a:blip r:embed="rId4" cstate="print">
-            <a:extLst>
-              <a:ext uri="{28A0092B-C50C-407E-A947-70E740481C1C}">
-                <a14:useLocalDpi xmlns:a14="http://schemas.microsoft.com/office/drawing/2010/main" val="0"/>
-              </a:ext>
-            </a:extLst>
-          </a:blip>
-          <a:srcRect/>
-          <a:stretch>
-            <a:fillRect/>
-          </a:stretch>
-        </p:blipFill>
-        <p:spPr bwMode="auto">
-          <a:xfrm rot="2178013">
-            <a:off x="5834124" y="4037108"/>
-            <a:ext cx="1459283" cy="1258497"/>
-          </a:xfrm>
-          <a:prstGeom prst="rect">
-            <a:avLst/>
-          </a:prstGeom>
-          <a:noFill/>
-          <a:extLst>
-            <a:ext uri="{909E8E84-426E-40DD-AFC4-6F175D3DCCD1}">
-              <a14:hiddenFill xmlns:a14="http://schemas.microsoft.com/office/drawing/2010/main">
-                <a:solidFill>
-                  <a:srgbClr val="FFFFFF"/>
-                </a:solidFill>
-              </a14:hiddenFill>
-            </a:ext>
-          </a:extLst>
-        </p:spPr>
-      </p:pic>
-      <p:pic>
-        <p:nvPicPr>
           <p:cNvPr id="18" name="Picture 6"/>
           <p:cNvPicPr>
             <a:picLocks noChangeAspect="1" noChangeArrowheads="1"/>
@@ -6688,11 +6626,11 @@
           <p:nvPr/>
         </p:nvPicPr>
         <p:blipFill rotWithShape="1">
-          <a:blip r:embed="rId5">
+          <a:blip r:embed="rId4">
             <a:extLst>
               <a:ext uri="{BEBA8EAE-BF5A-486C-A8C5-ECC9F3942E4B}">
                 <a14:imgProps xmlns:a14="http://schemas.microsoft.com/office/drawing/2010/main">
-                  <a14:imgLayer r:embed="rId6">
+                  <a14:imgLayer r:embed="rId5">
                     <a14:imgEffect>
                       <a14:backgroundRemoval t="6757" b="100000" l="0" r="100000"/>
                     </a14:imgEffect>
@@ -6759,11 +6697,11 @@
           <p:nvPr/>
         </p:nvPicPr>
         <p:blipFill>
-          <a:blip r:embed="rId7" cstate="print">
+          <a:blip r:embed="rId6" cstate="print">
             <a:extLst>
               <a:ext uri="{BEBA8EAE-BF5A-486C-A8C5-ECC9F3942E4B}">
                 <a14:imgProps xmlns:a14="http://schemas.microsoft.com/office/drawing/2010/main">
-                  <a14:imgLayer r:embed="rId8">
+                  <a14:imgLayer r:embed="rId7">
                     <a14:imgEffect>
                       <a14:backgroundRemoval t="8696" b="81988" l="0" r="100000"/>
                     </a14:imgEffect>
@@ -7037,7 +6975,6 @@
               <a:rPr lang="en-US" altLang="ko-KR" dirty="0" smtClean="0"/>
               <a:t>No Direction Control</a:t>
             </a:r>
-            <a:endParaRPr lang="en-US" altLang="ko-KR" dirty="0" smtClean="0"/>
           </a:p>
           <a:p>
             <a:pPr marL="285750" indent="-285750">
@@ -7049,6 +6986,163 @@
               <a:t>Only Speed Control</a:t>
             </a:r>
             <a:endParaRPr lang="ko-KR" altLang="en-US" dirty="0"/>
+          </a:p>
+        </p:txBody>
+      </p:sp>
+      <p:pic>
+        <p:nvPicPr>
+          <p:cNvPr id="1026" name="Picture 2"/>
+          <p:cNvPicPr>
+            <a:picLocks noChangeAspect="1" noChangeArrowheads="1"/>
+          </p:cNvPicPr>
+          <p:nvPr/>
+        </p:nvPicPr>
+        <p:blipFill>
+          <a:blip r:embed="rId8">
+            <a:extLst>
+              <a:ext uri="{28A0092B-C50C-407E-A947-70E740481C1C}">
+                <a14:useLocalDpi xmlns:a14="http://schemas.microsoft.com/office/drawing/2010/main" val="0"/>
+              </a:ext>
+            </a:extLst>
+          </a:blip>
+          <a:srcRect/>
+          <a:stretch>
+            <a:fillRect/>
+          </a:stretch>
+        </p:blipFill>
+        <p:spPr bwMode="auto">
+          <a:xfrm>
+            <a:off x="6321968" y="4152106"/>
+            <a:ext cx="2276475" cy="1581150"/>
+          </a:xfrm>
+          <a:prstGeom prst="rect">
+            <a:avLst/>
+          </a:prstGeom>
+          <a:noFill/>
+          <a:ln>
+            <a:noFill/>
+          </a:ln>
+          <a:effectLst/>
+          <a:extLst>
+            <a:ext uri="{909E8E84-426E-40DD-AFC4-6F175D3DCCD1}">
+              <a14:hiddenFill xmlns:a14="http://schemas.microsoft.com/office/drawing/2010/main">
+                <a:solidFill>
+                  <a:schemeClr val="accent1"/>
+                </a:solidFill>
+              </a14:hiddenFill>
+            </a:ext>
+            <a:ext uri="{91240B29-F687-4F45-9708-019B960494DF}">
+              <a14:hiddenLine xmlns:a14="http://schemas.microsoft.com/office/drawing/2010/main" w="9525">
+                <a:solidFill>
+                  <a:schemeClr val="tx1"/>
+                </a:solidFill>
+                <a:miter lim="800000"/>
+                <a:headEnd/>
+                <a:tailEnd/>
+              </a14:hiddenLine>
+            </a:ext>
+            <a:ext uri="{AF507438-7753-43E0-B8FC-AC1667EBCBE1}">
+              <a14:hiddenEffects xmlns:a14="http://schemas.microsoft.com/office/drawing/2010/main">
+                <a:effectLst>
+                  <a:outerShdw dist="35921" dir="2700000" algn="ctr" rotWithShape="0">
+                    <a:schemeClr val="bg2"/>
+                  </a:outerShdw>
+                </a:effectLst>
+              </a14:hiddenEffects>
+            </a:ext>
+          </a:extLst>
+        </p:spPr>
+      </p:pic>
+      <p:sp>
+        <p:nvSpPr>
+          <p:cNvPr id="29" name="TextBox 28"/>
+          <p:cNvSpPr txBox="1"/>
+          <p:nvPr/>
+        </p:nvSpPr>
+        <p:spPr>
+          <a:xfrm>
+            <a:off x="5639831" y="4271662"/>
+            <a:ext cx="395148" cy="276999"/>
+          </a:xfrm>
+          <a:prstGeom prst="rect">
+            <a:avLst/>
+          </a:prstGeom>
+          <a:noFill/>
+        </p:spPr>
+        <p:txBody>
+          <a:bodyPr wrap="square" rtlCol="0">
+            <a:spAutoFit/>
+          </a:bodyPr>
+          <a:lstStyle/>
+          <a:p>
+            <a:pPr algn="ctr"/>
+            <a:r>
+              <a:rPr lang="en-US" altLang="ko-KR" sz="1200" b="1" dirty="0" smtClean="0"/>
+              <a:t>C</a:t>
+            </a:r>
+            <a:endParaRPr lang="ko-KR" altLang="en-US" sz="1200" b="1" dirty="0"/>
+          </a:p>
+        </p:txBody>
+      </p:sp>
+      <p:sp>
+        <p:nvSpPr>
+          <p:cNvPr id="30" name="TextBox 29"/>
+          <p:cNvSpPr txBox="1"/>
+          <p:nvPr/>
+        </p:nvSpPr>
+        <p:spPr>
+          <a:xfrm>
+            <a:off x="5639831" y="4834669"/>
+            <a:ext cx="395148" cy="276999"/>
+          </a:xfrm>
+          <a:prstGeom prst="rect">
+            <a:avLst/>
+          </a:prstGeom>
+          <a:noFill/>
+        </p:spPr>
+        <p:txBody>
+          <a:bodyPr wrap="square" rtlCol="0">
+            <a:spAutoFit/>
+          </a:bodyPr>
+          <a:lstStyle/>
+          <a:p>
+            <a:pPr algn="ctr"/>
+            <a:r>
+              <a:rPr lang="en-US" altLang="ko-KR" sz="1200" b="1" dirty="0" smtClean="0"/>
+              <a:t>E</a:t>
+            </a:r>
+            <a:endParaRPr lang="ko-KR" altLang="en-US" sz="1200" b="1" dirty="0"/>
+          </a:p>
+        </p:txBody>
+      </p:sp>
+      <p:sp>
+        <p:nvSpPr>
+          <p:cNvPr id="34" name="TextBox 33"/>
+          <p:cNvSpPr txBox="1"/>
+          <p:nvPr/>
+        </p:nvSpPr>
+        <p:spPr>
+          <a:xfrm>
+            <a:off x="5639831" y="4548661"/>
+            <a:ext cx="395148" cy="276999"/>
+          </a:xfrm>
+          <a:prstGeom prst="rect">
+            <a:avLst/>
+          </a:prstGeom>
+          <a:noFill/>
+        </p:spPr>
+        <p:txBody>
+          <a:bodyPr wrap="square" rtlCol="0">
+            <a:spAutoFit/>
+          </a:bodyPr>
+          <a:lstStyle/>
+          <a:p>
+            <a:pPr algn="ctr"/>
+            <a:r>
+              <a:rPr lang="en-US" altLang="ko-KR" sz="1200" b="1" dirty="0" smtClean="0"/>
+              <a:t>B</a:t>
+            </a:r>
+            <a:endParaRPr lang="ko-KR" altLang="en-US" sz="1200" b="1" dirty="0"/>
           </a:p>
         </p:txBody>
       </p:sp>
@@ -7099,15 +7193,7 @@
           <a:p>
             <a:r>
               <a:rPr lang="en-US" altLang="ko-KR" dirty="0" smtClean="0"/>
-              <a:t>Buzzer</a:t>
-            </a:r>
-            <a:r>
-              <a:rPr lang="en-US" altLang="ko-KR" dirty="0" smtClean="0"/>
-              <a:t> </a:t>
-            </a:r>
-            <a:r>
-              <a:rPr lang="en-US" altLang="ko-KR" dirty="0" smtClean="0"/>
-              <a:t>Circuit</a:t>
+              <a:t>Buzzer Circuit</a:t>
             </a:r>
             <a:endParaRPr lang="ko-KR" altLang="en-US" dirty="0"/>
           </a:p>
@@ -10830,11 +10916,7 @@
               <a:pPr algn="ctr"/>
               <a:r>
                 <a:rPr lang="en-US" altLang="ko-KR" sz="1200" b="1" dirty="0" smtClean="0"/>
-                <a:t>Servo</a:t>
-              </a:r>
-              <a:r>
-                <a:rPr lang="en-US" altLang="ko-KR" sz="1200" b="1" dirty="0" smtClean="0"/>
-                <a:t> Motor</a:t>
+                <a:t>Servo Motor</a:t>
               </a:r>
               <a:endParaRPr lang="ko-KR" altLang="en-US" sz="1200" b="1" dirty="0"/>
             </a:p>
@@ -13509,11 +13591,7 @@
             </a:pPr>
             <a:r>
               <a:rPr lang="en-US" altLang="ko-KR" dirty="0" smtClean="0"/>
-              <a:t>Internal</a:t>
-            </a:r>
-            <a:r>
-              <a:rPr lang="en-US" altLang="ko-KR" dirty="0" smtClean="0"/>
-              <a:t> Pull-up type</a:t>
+              <a:t>Internal Pull-up type</a:t>
             </a:r>
           </a:p>
           <a:p>
@@ -15204,7 +15282,6 @@
               <a:rPr lang="en-US" altLang="ko-KR" dirty="0" smtClean="0"/>
               <a:t>Pull-up type</a:t>
             </a:r>
-            <a:endParaRPr lang="en-US" altLang="ko-KR" dirty="0" smtClean="0"/>
           </a:p>
           <a:p>
             <a:pPr marL="285750" indent="-285750">

--- a/Assets/SmartMaker/Circuits.pptx
+++ b/Assets/SmartMaker/Circuits.pptx
@@ -304,7 +304,7 @@
           <a:p>
             <a:fld id="{FB30EDBD-1C2D-4C1E-B459-B60219FAB484}" type="datetimeFigureOut">
               <a:rPr lang="ko-KR" altLang="en-US" smtClean="0"/>
-              <a:t>2015-05-01</a:t>
+              <a:t>2015-05-07</a:t>
             </a:fld>
             <a:endParaRPr lang="ko-KR" altLang="en-US"/>
           </a:p>
@@ -469,7 +469,7 @@
           <a:p>
             <a:fld id="{FB30EDBD-1C2D-4C1E-B459-B60219FAB484}" type="datetimeFigureOut">
               <a:rPr lang="ko-KR" altLang="en-US" smtClean="0"/>
-              <a:t>2015-05-01</a:t>
+              <a:t>2015-05-07</a:t>
             </a:fld>
             <a:endParaRPr lang="ko-KR" altLang="en-US"/>
           </a:p>
@@ -644,7 +644,7 @@
           <a:p>
             <a:fld id="{FB30EDBD-1C2D-4C1E-B459-B60219FAB484}" type="datetimeFigureOut">
               <a:rPr lang="ko-KR" altLang="en-US" smtClean="0"/>
-              <a:t>2015-05-01</a:t>
+              <a:t>2015-05-07</a:t>
             </a:fld>
             <a:endParaRPr lang="ko-KR" altLang="en-US"/>
           </a:p>
@@ -809,7 +809,7 @@
           <a:p>
             <a:fld id="{FB30EDBD-1C2D-4C1E-B459-B60219FAB484}" type="datetimeFigureOut">
               <a:rPr lang="ko-KR" altLang="en-US" smtClean="0"/>
-              <a:t>2015-05-01</a:t>
+              <a:t>2015-05-07</a:t>
             </a:fld>
             <a:endParaRPr lang="ko-KR" altLang="en-US"/>
           </a:p>
@@ -1050,7 +1050,7 @@
           <a:p>
             <a:fld id="{FB30EDBD-1C2D-4C1E-B459-B60219FAB484}" type="datetimeFigureOut">
               <a:rPr lang="ko-KR" altLang="en-US" smtClean="0"/>
-              <a:t>2015-05-01</a:t>
+              <a:t>2015-05-07</a:t>
             </a:fld>
             <a:endParaRPr lang="ko-KR" altLang="en-US"/>
           </a:p>
@@ -1333,7 +1333,7 @@
           <a:p>
             <a:fld id="{FB30EDBD-1C2D-4C1E-B459-B60219FAB484}" type="datetimeFigureOut">
               <a:rPr lang="ko-KR" altLang="en-US" smtClean="0"/>
-              <a:t>2015-05-01</a:t>
+              <a:t>2015-05-07</a:t>
             </a:fld>
             <a:endParaRPr lang="ko-KR" altLang="en-US"/>
           </a:p>
@@ -1750,7 +1750,7 @@
           <a:p>
             <a:fld id="{FB30EDBD-1C2D-4C1E-B459-B60219FAB484}" type="datetimeFigureOut">
               <a:rPr lang="ko-KR" altLang="en-US" smtClean="0"/>
-              <a:t>2015-05-01</a:t>
+              <a:t>2015-05-07</a:t>
             </a:fld>
             <a:endParaRPr lang="ko-KR" altLang="en-US"/>
           </a:p>
@@ -1863,7 +1863,7 @@
           <a:p>
             <a:fld id="{FB30EDBD-1C2D-4C1E-B459-B60219FAB484}" type="datetimeFigureOut">
               <a:rPr lang="ko-KR" altLang="en-US" smtClean="0"/>
-              <a:t>2015-05-01</a:t>
+              <a:t>2015-05-07</a:t>
             </a:fld>
             <a:endParaRPr lang="ko-KR" altLang="en-US"/>
           </a:p>
@@ -1953,7 +1953,7 @@
           <a:p>
             <a:fld id="{FB30EDBD-1C2D-4C1E-B459-B60219FAB484}" type="datetimeFigureOut">
               <a:rPr lang="ko-KR" altLang="en-US" smtClean="0"/>
-              <a:t>2015-05-01</a:t>
+              <a:t>2015-05-07</a:t>
             </a:fld>
             <a:endParaRPr lang="ko-KR" altLang="en-US"/>
           </a:p>
@@ -2225,7 +2225,7 @@
           <a:p>
             <a:fld id="{FB30EDBD-1C2D-4C1E-B459-B60219FAB484}" type="datetimeFigureOut">
               <a:rPr lang="ko-KR" altLang="en-US" smtClean="0"/>
-              <a:t>2015-05-01</a:t>
+              <a:t>2015-05-07</a:t>
             </a:fld>
             <a:endParaRPr lang="ko-KR" altLang="en-US"/>
           </a:p>
@@ -2473,7 +2473,7 @@
           <a:p>
             <a:fld id="{FB30EDBD-1C2D-4C1E-B459-B60219FAB484}" type="datetimeFigureOut">
               <a:rPr lang="ko-KR" altLang="en-US" smtClean="0"/>
-              <a:t>2015-05-01</a:t>
+              <a:t>2015-05-07</a:t>
             </a:fld>
             <a:endParaRPr lang="ko-KR" altLang="en-US"/>
           </a:p>
@@ -2681,7 +2681,7 @@
           <a:p>
             <a:fld id="{FB30EDBD-1C2D-4C1E-B459-B60219FAB484}" type="datetimeFigureOut">
               <a:rPr lang="ko-KR" altLang="en-US" smtClean="0"/>
-              <a:t>2015-05-01</a:t>
+              <a:t>2015-05-07</a:t>
             </a:fld>
             <a:endParaRPr lang="ko-KR" altLang="en-US"/>
           </a:p>
@@ -5815,7 +5815,7 @@
         </p:nvGrpSpPr>
         <p:grpSpPr>
           <a:xfrm>
-            <a:off x="1225941" y="2700546"/>
+            <a:off x="1225941" y="3717032"/>
             <a:ext cx="942697" cy="493023"/>
             <a:chOff x="1045399" y="1495817"/>
             <a:chExt cx="942697" cy="493023"/>
@@ -5895,45 +5895,6 @@
           </p:txBody>
         </p:sp>
       </p:grpSp>
-      <p:cxnSp>
-        <p:nvCxnSpPr>
-          <p:cNvPr id="35" name="꺾인 연결선 34"/>
-          <p:cNvCxnSpPr>
-            <a:stCxn id="32" idx="3"/>
-          </p:cNvCxnSpPr>
-          <p:nvPr/>
-        </p:nvCxnSpPr>
-        <p:spPr>
-          <a:xfrm>
-            <a:off x="2168638" y="3085557"/>
-            <a:ext cx="3285511" cy="743986"/>
-          </a:xfrm>
-          <a:prstGeom prst="bentConnector3">
-            <a:avLst>
-              <a:gd name="adj1" fmla="val 71299"/>
-            </a:avLst>
-          </a:prstGeom>
-          <a:ln w="28575">
-            <a:solidFill>
-              <a:srgbClr val="FF0000"/>
-            </a:solidFill>
-          </a:ln>
-        </p:spPr>
-        <p:style>
-          <a:lnRef idx="1">
-            <a:schemeClr val="accent1"/>
-          </a:lnRef>
-          <a:fillRef idx="0">
-            <a:schemeClr val="accent1"/>
-          </a:fillRef>
-          <a:effectRef idx="0">
-            <a:schemeClr val="accent1"/>
-          </a:effectRef>
-          <a:fontRef idx="minor">
-            <a:schemeClr val="tx1"/>
-          </a:fontRef>
-        </p:style>
-      </p:cxnSp>
       <p:pic>
         <p:nvPicPr>
           <p:cNvPr id="19" name="Picture 11"/>
@@ -5983,7 +5944,7 @@
         </p:nvGrpSpPr>
         <p:grpSpPr>
           <a:xfrm>
-            <a:off x="1225941" y="3690741"/>
+            <a:off x="1225940" y="2708920"/>
             <a:ext cx="942697" cy="493023"/>
             <a:chOff x="1045399" y="1495817"/>
             <a:chExt cx="942697" cy="493023"/>
@@ -6065,17 +6026,56 @@
       </p:grpSp>
       <p:cxnSp>
         <p:nvCxnSpPr>
-          <p:cNvPr id="24" name="직선 연결선 23"/>
+          <p:cNvPr id="16" name="직선 연결선 15"/>
           <p:cNvCxnSpPr/>
           <p:nvPr/>
         </p:nvCxnSpPr>
         <p:spPr>
-          <a:xfrm flipV="1">
-            <a:off x="2168638" y="4075752"/>
-            <a:ext cx="3285511" cy="7302"/>
+          <a:xfrm>
+            <a:off x="2168638" y="4095228"/>
+            <a:ext cx="3285511" cy="0"/>
           </a:xfrm>
           <a:prstGeom prst="line">
             <a:avLst/>
+          </a:prstGeom>
+          <a:ln w="28575">
+            <a:solidFill>
+              <a:srgbClr val="FF0000"/>
+            </a:solidFill>
+          </a:ln>
+        </p:spPr>
+        <p:style>
+          <a:lnRef idx="1">
+            <a:schemeClr val="accent1"/>
+          </a:lnRef>
+          <a:fillRef idx="0">
+            <a:schemeClr val="accent1"/>
+          </a:fillRef>
+          <a:effectRef idx="0">
+            <a:schemeClr val="accent1"/>
+          </a:effectRef>
+          <a:fontRef idx="minor">
+            <a:schemeClr val="tx1"/>
+          </a:fontRef>
+        </p:style>
+      </p:cxnSp>
+      <p:cxnSp>
+        <p:nvCxnSpPr>
+          <p:cNvPr id="18" name="꺾인 연결선 17"/>
+          <p:cNvCxnSpPr>
+            <a:stCxn id="21" idx="3"/>
+          </p:cNvCxnSpPr>
+          <p:nvPr/>
+        </p:nvCxnSpPr>
+        <p:spPr>
+          <a:xfrm>
+            <a:off x="2168637" y="3093931"/>
+            <a:ext cx="3285512" cy="761600"/>
+          </a:xfrm>
+          <a:prstGeom prst="bentConnector3">
+            <a:avLst>
+              <a:gd name="adj1" fmla="val 71299"/>
+            </a:avLst>
           </a:prstGeom>
           <a:ln w="28575">
             <a:solidFill>

--- a/Assets/SmartMaker/Circuits.pptx
+++ b/Assets/SmartMaker/Circuits.pptx
@@ -21,7 +21,9 @@
     <p:sldId id="269" r:id="rId15"/>
     <p:sldId id="270" r:id="rId16"/>
     <p:sldId id="271" r:id="rId17"/>
-    <p:sldId id="257" r:id="rId18"/>
+    <p:sldId id="273" r:id="rId18"/>
+    <p:sldId id="274" r:id="rId19"/>
+    <p:sldId id="257" r:id="rId20"/>
   </p:sldIdLst>
   <p:sldSz cx="9144000" cy="6858000" type="screen4x3"/>
   <p:notesSz cx="7104063" cy="10234613"/>
@@ -304,7 +306,7 @@
           <a:p>
             <a:fld id="{FB30EDBD-1C2D-4C1E-B459-B60219FAB484}" type="datetimeFigureOut">
               <a:rPr lang="ko-KR" altLang="en-US" smtClean="0"/>
-              <a:t>2015-05-07</a:t>
+              <a:t>2015-05-29</a:t>
             </a:fld>
             <a:endParaRPr lang="ko-KR" altLang="en-US"/>
           </a:p>
@@ -469,7 +471,7 @@
           <a:p>
             <a:fld id="{FB30EDBD-1C2D-4C1E-B459-B60219FAB484}" type="datetimeFigureOut">
               <a:rPr lang="ko-KR" altLang="en-US" smtClean="0"/>
-              <a:t>2015-05-07</a:t>
+              <a:t>2015-05-29</a:t>
             </a:fld>
             <a:endParaRPr lang="ko-KR" altLang="en-US"/>
           </a:p>
@@ -644,7 +646,7 @@
           <a:p>
             <a:fld id="{FB30EDBD-1C2D-4C1E-B459-B60219FAB484}" type="datetimeFigureOut">
               <a:rPr lang="ko-KR" altLang="en-US" smtClean="0"/>
-              <a:t>2015-05-07</a:t>
+              <a:t>2015-05-29</a:t>
             </a:fld>
             <a:endParaRPr lang="ko-KR" altLang="en-US"/>
           </a:p>
@@ -809,7 +811,7 @@
           <a:p>
             <a:fld id="{FB30EDBD-1C2D-4C1E-B459-B60219FAB484}" type="datetimeFigureOut">
               <a:rPr lang="ko-KR" altLang="en-US" smtClean="0"/>
-              <a:t>2015-05-07</a:t>
+              <a:t>2015-05-29</a:t>
             </a:fld>
             <a:endParaRPr lang="ko-KR" altLang="en-US"/>
           </a:p>
@@ -1050,7 +1052,7 @@
           <a:p>
             <a:fld id="{FB30EDBD-1C2D-4C1E-B459-B60219FAB484}" type="datetimeFigureOut">
               <a:rPr lang="ko-KR" altLang="en-US" smtClean="0"/>
-              <a:t>2015-05-07</a:t>
+              <a:t>2015-05-29</a:t>
             </a:fld>
             <a:endParaRPr lang="ko-KR" altLang="en-US"/>
           </a:p>
@@ -1333,7 +1335,7 @@
           <a:p>
             <a:fld id="{FB30EDBD-1C2D-4C1E-B459-B60219FAB484}" type="datetimeFigureOut">
               <a:rPr lang="ko-KR" altLang="en-US" smtClean="0"/>
-              <a:t>2015-05-07</a:t>
+              <a:t>2015-05-29</a:t>
             </a:fld>
             <a:endParaRPr lang="ko-KR" altLang="en-US"/>
           </a:p>
@@ -1750,7 +1752,7 @@
           <a:p>
             <a:fld id="{FB30EDBD-1C2D-4C1E-B459-B60219FAB484}" type="datetimeFigureOut">
               <a:rPr lang="ko-KR" altLang="en-US" smtClean="0"/>
-              <a:t>2015-05-07</a:t>
+              <a:t>2015-05-29</a:t>
             </a:fld>
             <a:endParaRPr lang="ko-KR" altLang="en-US"/>
           </a:p>
@@ -1863,7 +1865,7 @@
           <a:p>
             <a:fld id="{FB30EDBD-1C2D-4C1E-B459-B60219FAB484}" type="datetimeFigureOut">
               <a:rPr lang="ko-KR" altLang="en-US" smtClean="0"/>
-              <a:t>2015-05-07</a:t>
+              <a:t>2015-05-29</a:t>
             </a:fld>
             <a:endParaRPr lang="ko-KR" altLang="en-US"/>
           </a:p>
@@ -1953,7 +1955,7 @@
           <a:p>
             <a:fld id="{FB30EDBD-1C2D-4C1E-B459-B60219FAB484}" type="datetimeFigureOut">
               <a:rPr lang="ko-KR" altLang="en-US" smtClean="0"/>
-              <a:t>2015-05-07</a:t>
+              <a:t>2015-05-29</a:t>
             </a:fld>
             <a:endParaRPr lang="ko-KR" altLang="en-US"/>
           </a:p>
@@ -2225,7 +2227,7 @@
           <a:p>
             <a:fld id="{FB30EDBD-1C2D-4C1E-B459-B60219FAB484}" type="datetimeFigureOut">
               <a:rPr lang="ko-KR" altLang="en-US" smtClean="0"/>
-              <a:t>2015-05-07</a:t>
+              <a:t>2015-05-29</a:t>
             </a:fld>
             <a:endParaRPr lang="ko-KR" altLang="en-US"/>
           </a:p>
@@ -2473,7 +2475,7 @@
           <a:p>
             <a:fld id="{FB30EDBD-1C2D-4C1E-B459-B60219FAB484}" type="datetimeFigureOut">
               <a:rPr lang="ko-KR" altLang="en-US" smtClean="0"/>
-              <a:t>2015-05-07</a:t>
+              <a:t>2015-05-29</a:t>
             </a:fld>
             <a:endParaRPr lang="ko-KR" altLang="en-US"/>
           </a:p>
@@ -2681,7 +2683,7 @@
           <a:p>
             <a:fld id="{FB30EDBD-1C2D-4C1E-B459-B60219FAB484}" type="datetimeFigureOut">
               <a:rPr lang="ko-KR" altLang="en-US" smtClean="0"/>
-              <a:t>2015-05-07</a:t>
+              <a:t>2015-05-29</a:t>
             </a:fld>
             <a:endParaRPr lang="ko-KR" altLang="en-US"/>
           </a:p>
@@ -7708,6 +7710,711 @@
             <a:spLocks noGrp="1"/>
           </p:cNvSpPr>
           <p:nvPr>
+            <p:ph type="ctrTitle"/>
+          </p:nvPr>
+        </p:nvSpPr>
+        <p:spPr/>
+        <p:txBody>
+          <a:bodyPr/>
+          <a:lstStyle/>
+          <a:p>
+            <a:r>
+              <a:rPr lang="en-US" altLang="ko-KR" dirty="0" smtClean="0"/>
+              <a:t>Add-on Hardware</a:t>
+            </a:r>
+            <a:endParaRPr lang="ko-KR" altLang="en-US" dirty="0"/>
+          </a:p>
+        </p:txBody>
+      </p:sp>
+      <p:sp>
+        <p:nvSpPr>
+          <p:cNvPr id="3" name="부제목 2"/>
+          <p:cNvSpPr>
+            <a:spLocks noGrp="1"/>
+          </p:cNvSpPr>
+          <p:nvPr>
+            <p:ph type="subTitle" idx="1"/>
+          </p:nvPr>
+        </p:nvSpPr>
+        <p:spPr/>
+        <p:txBody>
+          <a:bodyPr/>
+          <a:lstStyle/>
+          <a:p>
+            <a:r>
+              <a:rPr lang="en-US" altLang="ko-KR" dirty="0" smtClean="0"/>
+              <a:t>Circuits for </a:t>
+            </a:r>
+            <a:r>
+              <a:rPr lang="en-US" altLang="ko-KR" dirty="0" smtClean="0"/>
+              <a:t>Appendix</a:t>
+            </a:r>
+            <a:endParaRPr lang="ko-KR" altLang="en-US" dirty="0"/>
+          </a:p>
+        </p:txBody>
+      </p:sp>
+    </p:spTree>
+    <p:extLst>
+      <p:ext uri="{BB962C8B-B14F-4D97-AF65-F5344CB8AC3E}">
+        <p14:creationId xmlns:p14="http://schemas.microsoft.com/office/powerpoint/2010/main" val="2811404256"/>
+      </p:ext>
+    </p:extLst>
+  </p:cSld>
+  <p:clrMapOvr>
+    <a:masterClrMapping/>
+  </p:clrMapOvr>
+</p:sld>
+</file>
+
+<file path=ppt/slides/slide18.xml><?xml version="1.0" encoding="utf-8"?>
+<p:sld xmlns:a="http://schemas.openxmlformats.org/drawingml/2006/main" xmlns:r="http://schemas.openxmlformats.org/officeDocument/2006/relationships" xmlns:p="http://schemas.openxmlformats.org/presentationml/2006/main">
+  <p:cSld>
+    <p:spTree>
+      <p:nvGrpSpPr>
+        <p:cNvPr id="1" name=""/>
+        <p:cNvGrpSpPr/>
+        <p:nvPr/>
+      </p:nvGrpSpPr>
+      <p:grpSpPr>
+        <a:xfrm>
+          <a:off x="0" y="0"/>
+          <a:ext cx="0" cy="0"/>
+          <a:chOff x="0" y="0"/>
+          <a:chExt cx="0" cy="0"/>
+        </a:xfrm>
+      </p:grpSpPr>
+      <p:sp>
+        <p:nvSpPr>
+          <p:cNvPr id="2" name="제목 1"/>
+          <p:cNvSpPr>
+            <a:spLocks noGrp="1"/>
+          </p:cNvSpPr>
+          <p:nvPr>
+            <p:ph type="title"/>
+          </p:nvPr>
+        </p:nvSpPr>
+        <p:spPr/>
+        <p:txBody>
+          <a:bodyPr/>
+          <a:lstStyle/>
+          <a:p>
+            <a:r>
+              <a:rPr lang="en-US" altLang="ko-KR" dirty="0" smtClean="0"/>
+              <a:t>MPU9150</a:t>
+            </a:r>
+            <a:endParaRPr lang="ko-KR" altLang="en-US" dirty="0"/>
+          </a:p>
+        </p:txBody>
+      </p:sp>
+      <p:grpSp>
+        <p:nvGrpSpPr>
+          <p:cNvPr id="12" name="그룹 11"/>
+          <p:cNvGrpSpPr/>
+          <p:nvPr/>
+        </p:nvGrpSpPr>
+        <p:grpSpPr>
+          <a:xfrm>
+            <a:off x="1198635" y="3140968"/>
+            <a:ext cx="942697" cy="493023"/>
+            <a:chOff x="1045399" y="1495817"/>
+            <a:chExt cx="942697" cy="493023"/>
+          </a:xfrm>
+        </p:grpSpPr>
+        <p:sp>
+          <p:nvSpPr>
+            <p:cNvPr id="13" name="오각형 12"/>
+            <p:cNvSpPr/>
+            <p:nvPr/>
+          </p:nvSpPr>
+          <p:spPr>
+            <a:xfrm>
+              <a:off x="1340024" y="1772816"/>
+              <a:ext cx="648072" cy="216024"/>
+            </a:xfrm>
+            <a:prstGeom prst="homePlate">
+              <a:avLst/>
+            </a:prstGeom>
+            <a:solidFill>
+              <a:schemeClr val="tx1">
+                <a:lumMod val="65000"/>
+                <a:lumOff val="35000"/>
+              </a:schemeClr>
+            </a:solidFill>
+          </p:spPr>
+          <p:style>
+            <a:lnRef idx="2">
+              <a:schemeClr val="accent1">
+                <a:shade val="50000"/>
+              </a:schemeClr>
+            </a:lnRef>
+            <a:fillRef idx="1">
+              <a:schemeClr val="accent1"/>
+            </a:fillRef>
+            <a:effectRef idx="0">
+              <a:schemeClr val="accent1"/>
+            </a:effectRef>
+            <a:fontRef idx="minor">
+              <a:schemeClr val="lt1"/>
+            </a:fontRef>
+          </p:style>
+          <p:txBody>
+            <a:bodyPr rtlCol="0" anchor="ctr"/>
+            <a:lstStyle/>
+            <a:p>
+              <a:pPr algn="ctr"/>
+              <a:endParaRPr lang="ko-KR" altLang="en-US" dirty="0"/>
+            </a:p>
+          </p:txBody>
+        </p:sp>
+        <p:sp>
+          <p:nvSpPr>
+            <p:cNvPr id="14" name="TextBox 13"/>
+            <p:cNvSpPr txBox="1"/>
+            <p:nvPr/>
+          </p:nvSpPr>
+          <p:spPr>
+            <a:xfrm>
+              <a:off x="1045399" y="1495817"/>
+              <a:ext cx="790297" cy="276999"/>
+            </a:xfrm>
+            <a:prstGeom prst="rect">
+              <a:avLst/>
+            </a:prstGeom>
+            <a:noFill/>
+          </p:spPr>
+          <p:txBody>
+            <a:bodyPr wrap="square" rtlCol="0">
+              <a:spAutoFit/>
+            </a:bodyPr>
+            <a:lstStyle/>
+            <a:p>
+              <a:r>
+                <a:rPr lang="en-US" altLang="ko-KR" sz="1200" b="1" dirty="0" smtClean="0"/>
+                <a:t>GND</a:t>
+              </a:r>
+              <a:endParaRPr lang="ko-KR" altLang="en-US" sz="1200" b="1" dirty="0"/>
+            </a:p>
+          </p:txBody>
+        </p:sp>
+      </p:grpSp>
+      <p:pic>
+        <p:nvPicPr>
+          <p:cNvPr id="1026" name="Picture 2"/>
+          <p:cNvPicPr>
+            <a:picLocks noChangeAspect="1" noChangeArrowheads="1"/>
+          </p:cNvPicPr>
+          <p:nvPr/>
+        </p:nvPicPr>
+        <p:blipFill>
+          <a:blip r:embed="rId2">
+            <a:extLst>
+              <a:ext uri="{28A0092B-C50C-407E-A947-70E740481C1C}">
+                <a14:useLocalDpi xmlns:a14="http://schemas.microsoft.com/office/drawing/2010/main" val="0"/>
+              </a:ext>
+            </a:extLst>
+          </a:blip>
+          <a:srcRect/>
+          <a:stretch>
+            <a:fillRect/>
+          </a:stretch>
+        </p:blipFill>
+        <p:spPr bwMode="auto">
+          <a:xfrm>
+            <a:off x="5940152" y="2756520"/>
+            <a:ext cx="1729285" cy="2256656"/>
+          </a:xfrm>
+          <a:prstGeom prst="rect">
+            <a:avLst/>
+          </a:prstGeom>
+          <a:noFill/>
+          <a:ln>
+            <a:noFill/>
+          </a:ln>
+          <a:effectLst/>
+          <a:extLst>
+            <a:ext uri="{909E8E84-426E-40DD-AFC4-6F175D3DCCD1}">
+              <a14:hiddenFill xmlns:a14="http://schemas.microsoft.com/office/drawing/2010/main">
+                <a:solidFill>
+                  <a:schemeClr val="accent1"/>
+                </a:solidFill>
+              </a14:hiddenFill>
+            </a:ext>
+            <a:ext uri="{91240B29-F687-4F45-9708-019B960494DF}">
+              <a14:hiddenLine xmlns:a14="http://schemas.microsoft.com/office/drawing/2010/main" w="9525">
+                <a:solidFill>
+                  <a:schemeClr val="tx1"/>
+                </a:solidFill>
+                <a:miter lim="800000"/>
+                <a:headEnd/>
+                <a:tailEnd/>
+              </a14:hiddenLine>
+            </a:ext>
+            <a:ext uri="{AF507438-7753-43E0-B8FC-AC1667EBCBE1}">
+              <a14:hiddenEffects xmlns:a14="http://schemas.microsoft.com/office/drawing/2010/main">
+                <a:effectLst>
+                  <a:outerShdw dist="35921" dir="2700000" algn="ctr" rotWithShape="0">
+                    <a:schemeClr val="bg2"/>
+                  </a:outerShdw>
+                </a:effectLst>
+              </a14:hiddenEffects>
+            </a:ext>
+          </a:extLst>
+        </p:spPr>
+      </p:pic>
+      <p:grpSp>
+        <p:nvGrpSpPr>
+          <p:cNvPr id="20" name="그룹 19"/>
+          <p:cNvGrpSpPr/>
+          <p:nvPr/>
+        </p:nvGrpSpPr>
+        <p:grpSpPr>
+          <a:xfrm>
+            <a:off x="1198635" y="2543819"/>
+            <a:ext cx="942697" cy="493023"/>
+            <a:chOff x="1045399" y="1495817"/>
+            <a:chExt cx="942697" cy="493023"/>
+          </a:xfrm>
+        </p:grpSpPr>
+        <p:sp>
+          <p:nvSpPr>
+            <p:cNvPr id="21" name="오각형 20"/>
+            <p:cNvSpPr/>
+            <p:nvPr/>
+          </p:nvSpPr>
+          <p:spPr>
+            <a:xfrm>
+              <a:off x="1340024" y="1772816"/>
+              <a:ext cx="648072" cy="216024"/>
+            </a:xfrm>
+            <a:prstGeom prst="homePlate">
+              <a:avLst/>
+            </a:prstGeom>
+            <a:solidFill>
+              <a:srgbClr val="FF0000"/>
+            </a:solidFill>
+          </p:spPr>
+          <p:style>
+            <a:lnRef idx="2">
+              <a:schemeClr val="accent1">
+                <a:shade val="50000"/>
+              </a:schemeClr>
+            </a:lnRef>
+            <a:fillRef idx="1">
+              <a:schemeClr val="accent1"/>
+            </a:fillRef>
+            <a:effectRef idx="0">
+              <a:schemeClr val="accent1"/>
+            </a:effectRef>
+            <a:fontRef idx="minor">
+              <a:schemeClr val="lt1"/>
+            </a:fontRef>
+          </p:style>
+          <p:txBody>
+            <a:bodyPr rtlCol="0" anchor="ctr"/>
+            <a:lstStyle/>
+            <a:p>
+              <a:pPr algn="ctr"/>
+              <a:endParaRPr lang="ko-KR" altLang="en-US" dirty="0"/>
+            </a:p>
+          </p:txBody>
+        </p:sp>
+        <p:sp>
+          <p:nvSpPr>
+            <p:cNvPr id="23" name="TextBox 22"/>
+            <p:cNvSpPr txBox="1"/>
+            <p:nvPr/>
+          </p:nvSpPr>
+          <p:spPr>
+            <a:xfrm>
+              <a:off x="1045399" y="1495817"/>
+              <a:ext cx="790297" cy="276999"/>
+            </a:xfrm>
+            <a:prstGeom prst="rect">
+              <a:avLst/>
+            </a:prstGeom>
+            <a:noFill/>
+          </p:spPr>
+          <p:txBody>
+            <a:bodyPr wrap="square" rtlCol="0">
+              <a:spAutoFit/>
+            </a:bodyPr>
+            <a:lstStyle/>
+            <a:p>
+              <a:r>
+                <a:rPr lang="en-US" altLang="ko-KR" sz="1200" b="1" dirty="0" smtClean="0"/>
+                <a:t>VCC (5V)</a:t>
+              </a:r>
+              <a:endParaRPr lang="ko-KR" altLang="en-US" sz="1200" b="1" dirty="0"/>
+            </a:p>
+          </p:txBody>
+        </p:sp>
+      </p:grpSp>
+      <p:grpSp>
+        <p:nvGrpSpPr>
+          <p:cNvPr id="24" name="그룹 23"/>
+          <p:cNvGrpSpPr/>
+          <p:nvPr/>
+        </p:nvGrpSpPr>
+        <p:grpSpPr>
+          <a:xfrm>
+            <a:off x="1198635" y="3718204"/>
+            <a:ext cx="942697" cy="493023"/>
+            <a:chOff x="1045399" y="1495817"/>
+            <a:chExt cx="942697" cy="493023"/>
+          </a:xfrm>
+        </p:grpSpPr>
+        <p:sp>
+          <p:nvSpPr>
+            <p:cNvPr id="26" name="오각형 25"/>
+            <p:cNvSpPr/>
+            <p:nvPr/>
+          </p:nvSpPr>
+          <p:spPr>
+            <a:xfrm>
+              <a:off x="1340024" y="1772816"/>
+              <a:ext cx="648072" cy="216024"/>
+            </a:xfrm>
+            <a:prstGeom prst="homePlate">
+              <a:avLst/>
+            </a:prstGeom>
+            <a:solidFill>
+              <a:srgbClr val="FFC000"/>
+            </a:solidFill>
+          </p:spPr>
+          <p:style>
+            <a:lnRef idx="2">
+              <a:schemeClr val="accent1">
+                <a:shade val="50000"/>
+              </a:schemeClr>
+            </a:lnRef>
+            <a:fillRef idx="1">
+              <a:schemeClr val="accent1"/>
+            </a:fillRef>
+            <a:effectRef idx="0">
+              <a:schemeClr val="accent1"/>
+            </a:effectRef>
+            <a:fontRef idx="minor">
+              <a:schemeClr val="lt1"/>
+            </a:fontRef>
+          </p:style>
+          <p:txBody>
+            <a:bodyPr rtlCol="0" anchor="ctr"/>
+            <a:lstStyle/>
+            <a:p>
+              <a:pPr algn="ctr"/>
+              <a:endParaRPr lang="ko-KR" altLang="en-US" dirty="0"/>
+            </a:p>
+          </p:txBody>
+        </p:sp>
+        <p:sp>
+          <p:nvSpPr>
+            <p:cNvPr id="27" name="TextBox 26"/>
+            <p:cNvSpPr txBox="1"/>
+            <p:nvPr/>
+          </p:nvSpPr>
+          <p:spPr>
+            <a:xfrm>
+              <a:off x="1045399" y="1495817"/>
+              <a:ext cx="942697" cy="276999"/>
+            </a:xfrm>
+            <a:prstGeom prst="rect">
+              <a:avLst/>
+            </a:prstGeom>
+            <a:noFill/>
+          </p:spPr>
+          <p:txBody>
+            <a:bodyPr wrap="square" rtlCol="0">
+              <a:spAutoFit/>
+            </a:bodyPr>
+            <a:lstStyle/>
+            <a:p>
+              <a:r>
+                <a:rPr lang="en-US" altLang="ko-KR" sz="1200" b="1" dirty="0" smtClean="0"/>
+                <a:t>A5 (SCL)</a:t>
+              </a:r>
+              <a:endParaRPr lang="ko-KR" altLang="en-US" sz="1200" b="1" dirty="0"/>
+            </a:p>
+          </p:txBody>
+        </p:sp>
+      </p:grpSp>
+      <p:cxnSp>
+        <p:nvCxnSpPr>
+          <p:cNvPr id="29" name="꺾인 연결선 28"/>
+          <p:cNvCxnSpPr>
+            <a:stCxn id="13" idx="3"/>
+          </p:cNvCxnSpPr>
+          <p:nvPr/>
+        </p:nvCxnSpPr>
+        <p:spPr>
+          <a:xfrm flipV="1">
+            <a:off x="2141332" y="3140968"/>
+            <a:ext cx="3942836" cy="385011"/>
+          </a:xfrm>
+          <a:prstGeom prst="bentConnector3">
+            <a:avLst/>
+          </a:prstGeom>
+          <a:ln w="28575">
+            <a:solidFill>
+              <a:schemeClr val="tx1">
+                <a:lumMod val="65000"/>
+                <a:lumOff val="35000"/>
+              </a:schemeClr>
+            </a:solidFill>
+          </a:ln>
+        </p:spPr>
+        <p:style>
+          <a:lnRef idx="1">
+            <a:schemeClr val="accent1"/>
+          </a:lnRef>
+          <a:fillRef idx="0">
+            <a:schemeClr val="accent1"/>
+          </a:fillRef>
+          <a:effectRef idx="0">
+            <a:schemeClr val="accent1"/>
+          </a:effectRef>
+          <a:fontRef idx="minor">
+            <a:schemeClr val="tx1"/>
+          </a:fontRef>
+        </p:style>
+      </p:cxnSp>
+      <p:grpSp>
+        <p:nvGrpSpPr>
+          <p:cNvPr id="30" name="그룹 29"/>
+          <p:cNvGrpSpPr/>
+          <p:nvPr/>
+        </p:nvGrpSpPr>
+        <p:grpSpPr>
+          <a:xfrm>
+            <a:off x="1198635" y="4264111"/>
+            <a:ext cx="942697" cy="493023"/>
+            <a:chOff x="1045399" y="1495817"/>
+            <a:chExt cx="942697" cy="493023"/>
+          </a:xfrm>
+        </p:grpSpPr>
+        <p:sp>
+          <p:nvSpPr>
+            <p:cNvPr id="31" name="오각형 30"/>
+            <p:cNvSpPr/>
+            <p:nvPr/>
+          </p:nvSpPr>
+          <p:spPr>
+            <a:xfrm>
+              <a:off x="1340024" y="1772816"/>
+              <a:ext cx="648072" cy="216024"/>
+            </a:xfrm>
+            <a:prstGeom prst="homePlate">
+              <a:avLst/>
+            </a:prstGeom>
+            <a:solidFill>
+              <a:srgbClr val="FFC000"/>
+            </a:solidFill>
+          </p:spPr>
+          <p:style>
+            <a:lnRef idx="2">
+              <a:schemeClr val="accent1">
+                <a:shade val="50000"/>
+              </a:schemeClr>
+            </a:lnRef>
+            <a:fillRef idx="1">
+              <a:schemeClr val="accent1"/>
+            </a:fillRef>
+            <a:effectRef idx="0">
+              <a:schemeClr val="accent1"/>
+            </a:effectRef>
+            <a:fontRef idx="minor">
+              <a:schemeClr val="lt1"/>
+            </a:fontRef>
+          </p:style>
+          <p:txBody>
+            <a:bodyPr rtlCol="0" anchor="ctr"/>
+            <a:lstStyle/>
+            <a:p>
+              <a:pPr algn="ctr"/>
+              <a:endParaRPr lang="ko-KR" altLang="en-US" dirty="0"/>
+            </a:p>
+          </p:txBody>
+        </p:sp>
+        <p:sp>
+          <p:nvSpPr>
+            <p:cNvPr id="32" name="TextBox 31"/>
+            <p:cNvSpPr txBox="1"/>
+            <p:nvPr/>
+          </p:nvSpPr>
+          <p:spPr>
+            <a:xfrm>
+              <a:off x="1045399" y="1495817"/>
+              <a:ext cx="942697" cy="276999"/>
+            </a:xfrm>
+            <a:prstGeom prst="rect">
+              <a:avLst/>
+            </a:prstGeom>
+            <a:noFill/>
+          </p:spPr>
+          <p:txBody>
+            <a:bodyPr wrap="square" rtlCol="0">
+              <a:spAutoFit/>
+            </a:bodyPr>
+            <a:lstStyle/>
+            <a:p>
+              <a:r>
+                <a:rPr lang="en-US" altLang="ko-KR" sz="1200" b="1" dirty="0" smtClean="0"/>
+                <a:t>A4 (SDA)</a:t>
+              </a:r>
+              <a:endParaRPr lang="ko-KR" altLang="en-US" sz="1200" b="1" dirty="0"/>
+            </a:p>
+          </p:txBody>
+        </p:sp>
+      </p:grpSp>
+      <p:cxnSp>
+        <p:nvCxnSpPr>
+          <p:cNvPr id="33" name="꺾인 연결선 32"/>
+          <p:cNvCxnSpPr>
+            <a:stCxn id="26" idx="3"/>
+          </p:cNvCxnSpPr>
+          <p:nvPr/>
+        </p:nvCxnSpPr>
+        <p:spPr>
+          <a:xfrm flipV="1">
+            <a:off x="2141332" y="3417967"/>
+            <a:ext cx="3942836" cy="685248"/>
+          </a:xfrm>
+          <a:prstGeom prst="bentConnector3">
+            <a:avLst>
+              <a:gd name="adj1" fmla="val 53550"/>
+            </a:avLst>
+          </a:prstGeom>
+          <a:ln w="28575">
+            <a:solidFill>
+              <a:srgbClr val="FFC000"/>
+            </a:solidFill>
+          </a:ln>
+        </p:spPr>
+        <p:style>
+          <a:lnRef idx="1">
+            <a:schemeClr val="accent1"/>
+          </a:lnRef>
+          <a:fillRef idx="0">
+            <a:schemeClr val="accent1"/>
+          </a:fillRef>
+          <a:effectRef idx="0">
+            <a:schemeClr val="accent1"/>
+          </a:effectRef>
+          <a:fontRef idx="minor">
+            <a:schemeClr val="tx1"/>
+          </a:fontRef>
+        </p:style>
+      </p:cxnSp>
+      <p:cxnSp>
+        <p:nvCxnSpPr>
+          <p:cNvPr id="37" name="꺾인 연결선 36"/>
+          <p:cNvCxnSpPr/>
+          <p:nvPr/>
+        </p:nvCxnSpPr>
+        <p:spPr>
+          <a:xfrm flipV="1">
+            <a:off x="2141332" y="3718204"/>
+            <a:ext cx="3942836" cy="930919"/>
+          </a:xfrm>
+          <a:prstGeom prst="bentConnector3">
+            <a:avLst>
+              <a:gd name="adj1" fmla="val 58046"/>
+            </a:avLst>
+          </a:prstGeom>
+          <a:ln w="28575">
+            <a:solidFill>
+              <a:srgbClr val="FFC000"/>
+            </a:solidFill>
+          </a:ln>
+        </p:spPr>
+        <p:style>
+          <a:lnRef idx="1">
+            <a:schemeClr val="accent1"/>
+          </a:lnRef>
+          <a:fillRef idx="0">
+            <a:schemeClr val="accent1"/>
+          </a:fillRef>
+          <a:effectRef idx="0">
+            <a:schemeClr val="accent1"/>
+          </a:effectRef>
+          <a:fontRef idx="minor">
+            <a:schemeClr val="tx1"/>
+          </a:fontRef>
+        </p:style>
+      </p:cxnSp>
+      <p:cxnSp>
+        <p:nvCxnSpPr>
+          <p:cNvPr id="42" name="직선 연결선 41"/>
+          <p:cNvCxnSpPr>
+            <a:stCxn id="21" idx="3"/>
+          </p:cNvCxnSpPr>
+          <p:nvPr/>
+        </p:nvCxnSpPr>
+        <p:spPr>
+          <a:xfrm>
+            <a:off x="2141332" y="2928830"/>
+            <a:ext cx="3942836" cy="0"/>
+          </a:xfrm>
+          <a:prstGeom prst="line">
+            <a:avLst/>
+          </a:prstGeom>
+          <a:ln w="28575">
+            <a:solidFill>
+              <a:srgbClr val="FF0000"/>
+            </a:solidFill>
+          </a:ln>
+        </p:spPr>
+        <p:style>
+          <a:lnRef idx="1">
+            <a:schemeClr val="accent1"/>
+          </a:lnRef>
+          <a:fillRef idx="0">
+            <a:schemeClr val="accent1"/>
+          </a:fillRef>
+          <a:effectRef idx="0">
+            <a:schemeClr val="accent1"/>
+          </a:effectRef>
+          <a:fontRef idx="minor">
+            <a:schemeClr val="tx1"/>
+          </a:fontRef>
+        </p:style>
+      </p:cxnSp>
+    </p:spTree>
+    <p:extLst>
+      <p:ext uri="{BB962C8B-B14F-4D97-AF65-F5344CB8AC3E}">
+        <p14:creationId xmlns:p14="http://schemas.microsoft.com/office/powerpoint/2010/main" val="609712076"/>
+      </p:ext>
+    </p:extLst>
+  </p:cSld>
+  <p:clrMapOvr>
+    <a:masterClrMapping/>
+  </p:clrMapOvr>
+</p:sld>
+</file>
+
+<file path=ppt/slides/slide19.xml><?xml version="1.0" encoding="utf-8"?>
+<p:sld xmlns:a="http://schemas.openxmlformats.org/drawingml/2006/main" xmlns:r="http://schemas.openxmlformats.org/officeDocument/2006/relationships" xmlns:p="http://schemas.openxmlformats.org/presentationml/2006/main">
+  <p:cSld>
+    <p:spTree>
+      <p:nvGrpSpPr>
+        <p:cNvPr id="1" name=""/>
+        <p:cNvGrpSpPr/>
+        <p:nvPr/>
+      </p:nvGrpSpPr>
+      <p:grpSpPr>
+        <a:xfrm>
+          <a:off x="0" y="0"/>
+          <a:ext cx="0" cy="0"/>
+          <a:chOff x="0" y="0"/>
+          <a:chExt cx="0" cy="0"/>
+        </a:xfrm>
+      </p:grpSpPr>
+      <p:sp>
+        <p:nvSpPr>
+          <p:cNvPr id="2" name="제목 1"/>
+          <p:cNvSpPr>
+            <a:spLocks noGrp="1"/>
+          </p:cNvSpPr>
+          <p:nvPr>
             <p:ph type="title"/>
           </p:nvPr>
         </p:nvSpPr>

--- a/Assets/SmartMaker/Circuits.pptx
+++ b/Assets/SmartMaker/Circuits.pptx
@@ -306,7 +306,7 @@
           <a:p>
             <a:fld id="{FB30EDBD-1C2D-4C1E-B459-B60219FAB484}" type="datetimeFigureOut">
               <a:rPr lang="ko-KR" altLang="en-US" smtClean="0"/>
-              <a:t>2015-05-29</a:t>
+              <a:t>2015-08-10</a:t>
             </a:fld>
             <a:endParaRPr lang="ko-KR" altLang="en-US"/>
           </a:p>
@@ -471,7 +471,7 @@
           <a:p>
             <a:fld id="{FB30EDBD-1C2D-4C1E-B459-B60219FAB484}" type="datetimeFigureOut">
               <a:rPr lang="ko-KR" altLang="en-US" smtClean="0"/>
-              <a:t>2015-05-29</a:t>
+              <a:t>2015-08-10</a:t>
             </a:fld>
             <a:endParaRPr lang="ko-KR" altLang="en-US"/>
           </a:p>
@@ -646,7 +646,7 @@
           <a:p>
             <a:fld id="{FB30EDBD-1C2D-4C1E-B459-B60219FAB484}" type="datetimeFigureOut">
               <a:rPr lang="ko-KR" altLang="en-US" smtClean="0"/>
-              <a:t>2015-05-29</a:t>
+              <a:t>2015-08-10</a:t>
             </a:fld>
             <a:endParaRPr lang="ko-KR" altLang="en-US"/>
           </a:p>
@@ -811,7 +811,7 @@
           <a:p>
             <a:fld id="{FB30EDBD-1C2D-4C1E-B459-B60219FAB484}" type="datetimeFigureOut">
               <a:rPr lang="ko-KR" altLang="en-US" smtClean="0"/>
-              <a:t>2015-05-29</a:t>
+              <a:t>2015-08-10</a:t>
             </a:fld>
             <a:endParaRPr lang="ko-KR" altLang="en-US"/>
           </a:p>
@@ -1052,7 +1052,7 @@
           <a:p>
             <a:fld id="{FB30EDBD-1C2D-4C1E-B459-B60219FAB484}" type="datetimeFigureOut">
               <a:rPr lang="ko-KR" altLang="en-US" smtClean="0"/>
-              <a:t>2015-05-29</a:t>
+              <a:t>2015-08-10</a:t>
             </a:fld>
             <a:endParaRPr lang="ko-KR" altLang="en-US"/>
           </a:p>
@@ -1335,7 +1335,7 @@
           <a:p>
             <a:fld id="{FB30EDBD-1C2D-4C1E-B459-B60219FAB484}" type="datetimeFigureOut">
               <a:rPr lang="ko-KR" altLang="en-US" smtClean="0"/>
-              <a:t>2015-05-29</a:t>
+              <a:t>2015-08-10</a:t>
             </a:fld>
             <a:endParaRPr lang="ko-KR" altLang="en-US"/>
           </a:p>
@@ -1752,7 +1752,7 @@
           <a:p>
             <a:fld id="{FB30EDBD-1C2D-4C1E-B459-B60219FAB484}" type="datetimeFigureOut">
               <a:rPr lang="ko-KR" altLang="en-US" smtClean="0"/>
-              <a:t>2015-05-29</a:t>
+              <a:t>2015-08-10</a:t>
             </a:fld>
             <a:endParaRPr lang="ko-KR" altLang="en-US"/>
           </a:p>
@@ -1865,7 +1865,7 @@
           <a:p>
             <a:fld id="{FB30EDBD-1C2D-4C1E-B459-B60219FAB484}" type="datetimeFigureOut">
               <a:rPr lang="ko-KR" altLang="en-US" smtClean="0"/>
-              <a:t>2015-05-29</a:t>
+              <a:t>2015-08-10</a:t>
             </a:fld>
             <a:endParaRPr lang="ko-KR" altLang="en-US"/>
           </a:p>
@@ -1955,7 +1955,7 @@
           <a:p>
             <a:fld id="{FB30EDBD-1C2D-4C1E-B459-B60219FAB484}" type="datetimeFigureOut">
               <a:rPr lang="ko-KR" altLang="en-US" smtClean="0"/>
-              <a:t>2015-05-29</a:t>
+              <a:t>2015-08-10</a:t>
             </a:fld>
             <a:endParaRPr lang="ko-KR" altLang="en-US"/>
           </a:p>
@@ -2227,7 +2227,7 @@
           <a:p>
             <a:fld id="{FB30EDBD-1C2D-4C1E-B459-B60219FAB484}" type="datetimeFigureOut">
               <a:rPr lang="ko-KR" altLang="en-US" smtClean="0"/>
-              <a:t>2015-05-29</a:t>
+              <a:t>2015-08-10</a:t>
             </a:fld>
             <a:endParaRPr lang="ko-KR" altLang="en-US"/>
           </a:p>
@@ -2475,7 +2475,7 @@
           <a:p>
             <a:fld id="{FB30EDBD-1C2D-4C1E-B459-B60219FAB484}" type="datetimeFigureOut">
               <a:rPr lang="ko-KR" altLang="en-US" smtClean="0"/>
-              <a:t>2015-05-29</a:t>
+              <a:t>2015-08-10</a:t>
             </a:fld>
             <a:endParaRPr lang="ko-KR" altLang="en-US"/>
           </a:p>
@@ -2683,7 +2683,7 @@
           <a:p>
             <a:fld id="{FB30EDBD-1C2D-4C1E-B459-B60219FAB484}" type="datetimeFigureOut">
               <a:rPr lang="ko-KR" altLang="en-US" smtClean="0"/>
-              <a:t>2015-05-29</a:t>
+              <a:t>2015-08-10</a:t>
             </a:fld>
             <a:endParaRPr lang="ko-KR" altLang="en-US"/>
           </a:p>
@@ -7743,11 +7743,7 @@
           <a:p>
             <a:r>
               <a:rPr lang="en-US" altLang="ko-KR" dirty="0" smtClean="0"/>
-              <a:t>Circuits for </a:t>
-            </a:r>
-            <a:r>
-              <a:rPr lang="en-US" altLang="ko-KR" dirty="0" smtClean="0"/>
-              <a:t>Appendix</a:t>
+              <a:t>Circuits for Appendix</a:t>
             </a:r>
             <a:endParaRPr lang="ko-KR" altLang="en-US" dirty="0"/>
           </a:p>
@@ -14950,6 +14946,330 @@
           </a:fontRef>
         </p:style>
       </p:cxnSp>
+      <p:pic>
+        <p:nvPicPr>
+          <p:cNvPr id="24" name="Picture 5"/>
+          <p:cNvPicPr>
+            <a:picLocks noChangeAspect="1" noChangeArrowheads="1"/>
+          </p:cNvPicPr>
+          <p:nvPr/>
+        </p:nvPicPr>
+        <p:blipFill>
+          <a:blip r:embed="rId4" cstate="print">
+            <a:extLst>
+              <a:ext uri="{BEBA8EAE-BF5A-486C-A8C5-ECC9F3942E4B}">
+                <a14:imgProps xmlns:a14="http://schemas.microsoft.com/office/drawing/2010/main">
+                  <a14:imgLayer r:embed="rId5">
+                    <a14:imgEffect>
+                      <a14:backgroundRemoval t="8696" b="81988" l="0" r="100000"/>
+                    </a14:imgEffect>
+                  </a14:imgLayer>
+                </a14:imgProps>
+              </a:ext>
+              <a:ext uri="{28A0092B-C50C-407E-A947-70E740481C1C}">
+                <a14:useLocalDpi xmlns:a14="http://schemas.microsoft.com/office/drawing/2010/main" val="0"/>
+              </a:ext>
+            </a:extLst>
+          </a:blip>
+          <a:srcRect/>
+          <a:stretch>
+            <a:fillRect/>
+          </a:stretch>
+        </p:blipFill>
+        <p:spPr bwMode="auto">
+          <a:xfrm>
+            <a:off x="2555776" y="2522375"/>
+            <a:ext cx="725690" cy="337677"/>
+          </a:xfrm>
+          <a:prstGeom prst="rect">
+            <a:avLst/>
+          </a:prstGeom>
+          <a:noFill/>
+          <a:ln>
+            <a:noFill/>
+          </a:ln>
+          <a:effectLst/>
+          <a:extLst>
+            <a:ext uri="{909E8E84-426E-40DD-AFC4-6F175D3DCCD1}">
+              <a14:hiddenFill xmlns:a14="http://schemas.microsoft.com/office/drawing/2010/main">
+                <a:solidFill>
+                  <a:schemeClr val="accent1"/>
+                </a:solidFill>
+              </a14:hiddenFill>
+            </a:ext>
+            <a:ext uri="{91240B29-F687-4F45-9708-019B960494DF}">
+              <a14:hiddenLine xmlns:a14="http://schemas.microsoft.com/office/drawing/2010/main" w="9525">
+                <a:solidFill>
+                  <a:schemeClr val="tx1"/>
+                </a:solidFill>
+                <a:miter lim="800000"/>
+                <a:headEnd/>
+                <a:tailEnd/>
+              </a14:hiddenLine>
+            </a:ext>
+            <a:ext uri="{AF507438-7753-43E0-B8FC-AC1667EBCBE1}">
+              <a14:hiddenEffects xmlns:a14="http://schemas.microsoft.com/office/drawing/2010/main">
+                <a:effectLst>
+                  <a:outerShdw dist="35921" dir="2700000" algn="ctr" rotWithShape="0">
+                    <a:schemeClr val="bg2"/>
+                  </a:outerShdw>
+                </a:effectLst>
+              </a14:hiddenEffects>
+            </a:ext>
+          </a:extLst>
+        </p:spPr>
+      </p:pic>
+      <p:sp>
+        <p:nvSpPr>
+          <p:cNvPr id="26" name="TextBox 25"/>
+          <p:cNvSpPr txBox="1"/>
+          <p:nvPr/>
+        </p:nvSpPr>
+        <p:spPr>
+          <a:xfrm>
+            <a:off x="2445032" y="2317696"/>
+            <a:ext cx="790297" cy="276999"/>
+          </a:xfrm>
+          <a:prstGeom prst="rect">
+            <a:avLst/>
+          </a:prstGeom>
+          <a:noFill/>
+        </p:spPr>
+        <p:txBody>
+          <a:bodyPr wrap="square" rtlCol="0">
+            <a:spAutoFit/>
+          </a:bodyPr>
+          <a:lstStyle/>
+          <a:p>
+            <a:pPr algn="ctr"/>
+            <a:r>
+              <a:rPr lang="en-US" altLang="ko-KR" sz="1200" b="1" dirty="0" smtClean="0"/>
+              <a:t>330</a:t>
+            </a:r>
+            <a:r>
+              <a:rPr lang="ko-KR" altLang="ko-KR" sz="1200" b="1" dirty="0"/>
+              <a:t>Ω</a:t>
+            </a:r>
+            <a:endParaRPr lang="ko-KR" altLang="en-US" sz="1200" b="1" dirty="0"/>
+          </a:p>
+        </p:txBody>
+      </p:sp>
+      <p:pic>
+        <p:nvPicPr>
+          <p:cNvPr id="27" name="Picture 5"/>
+          <p:cNvPicPr>
+            <a:picLocks noChangeAspect="1" noChangeArrowheads="1"/>
+          </p:cNvPicPr>
+          <p:nvPr/>
+        </p:nvPicPr>
+        <p:blipFill>
+          <a:blip r:embed="rId4" cstate="print">
+            <a:extLst>
+              <a:ext uri="{BEBA8EAE-BF5A-486C-A8C5-ECC9F3942E4B}">
+                <a14:imgProps xmlns:a14="http://schemas.microsoft.com/office/drawing/2010/main">
+                  <a14:imgLayer r:embed="rId5">
+                    <a14:imgEffect>
+                      <a14:backgroundRemoval t="8696" b="81988" l="0" r="100000"/>
+                    </a14:imgEffect>
+                  </a14:imgLayer>
+                </a14:imgProps>
+              </a:ext>
+              <a:ext uri="{28A0092B-C50C-407E-A947-70E740481C1C}">
+                <a14:useLocalDpi xmlns:a14="http://schemas.microsoft.com/office/drawing/2010/main" val="0"/>
+              </a:ext>
+            </a:extLst>
+          </a:blip>
+          <a:srcRect/>
+          <a:stretch>
+            <a:fillRect/>
+          </a:stretch>
+        </p:blipFill>
+        <p:spPr bwMode="auto">
+          <a:xfrm>
+            <a:off x="2599958" y="4156337"/>
+            <a:ext cx="725690" cy="337677"/>
+          </a:xfrm>
+          <a:prstGeom prst="rect">
+            <a:avLst/>
+          </a:prstGeom>
+          <a:noFill/>
+          <a:ln>
+            <a:noFill/>
+          </a:ln>
+          <a:effectLst/>
+          <a:extLst>
+            <a:ext uri="{909E8E84-426E-40DD-AFC4-6F175D3DCCD1}">
+              <a14:hiddenFill xmlns:a14="http://schemas.microsoft.com/office/drawing/2010/main">
+                <a:solidFill>
+                  <a:schemeClr val="accent1"/>
+                </a:solidFill>
+              </a14:hiddenFill>
+            </a:ext>
+            <a:ext uri="{91240B29-F687-4F45-9708-019B960494DF}">
+              <a14:hiddenLine xmlns:a14="http://schemas.microsoft.com/office/drawing/2010/main" w="9525">
+                <a:solidFill>
+                  <a:schemeClr val="tx1"/>
+                </a:solidFill>
+                <a:miter lim="800000"/>
+                <a:headEnd/>
+                <a:tailEnd/>
+              </a14:hiddenLine>
+            </a:ext>
+            <a:ext uri="{AF507438-7753-43E0-B8FC-AC1667EBCBE1}">
+              <a14:hiddenEffects xmlns:a14="http://schemas.microsoft.com/office/drawing/2010/main">
+                <a:effectLst>
+                  <a:outerShdw dist="35921" dir="2700000" algn="ctr" rotWithShape="0">
+                    <a:schemeClr val="bg2"/>
+                  </a:outerShdw>
+                </a:effectLst>
+              </a14:hiddenEffects>
+            </a:ext>
+          </a:extLst>
+        </p:spPr>
+      </p:pic>
+      <p:sp>
+        <p:nvSpPr>
+          <p:cNvPr id="30" name="TextBox 29"/>
+          <p:cNvSpPr txBox="1"/>
+          <p:nvPr/>
+        </p:nvSpPr>
+        <p:spPr>
+          <a:xfrm>
+            <a:off x="2489214" y="3951658"/>
+            <a:ext cx="790297" cy="276999"/>
+          </a:xfrm>
+          <a:prstGeom prst="rect">
+            <a:avLst/>
+          </a:prstGeom>
+          <a:noFill/>
+        </p:spPr>
+        <p:txBody>
+          <a:bodyPr wrap="square" rtlCol="0">
+            <a:spAutoFit/>
+          </a:bodyPr>
+          <a:lstStyle/>
+          <a:p>
+            <a:pPr algn="ctr"/>
+            <a:r>
+              <a:rPr lang="en-US" altLang="ko-KR" sz="1200" b="1" dirty="0" smtClean="0"/>
+              <a:t>330</a:t>
+            </a:r>
+            <a:r>
+              <a:rPr lang="ko-KR" altLang="ko-KR" sz="1200" b="1" dirty="0"/>
+              <a:t>Ω</a:t>
+            </a:r>
+            <a:endParaRPr lang="ko-KR" altLang="en-US" sz="1200" b="1" dirty="0"/>
+          </a:p>
+        </p:txBody>
+      </p:sp>
+      <p:pic>
+        <p:nvPicPr>
+          <p:cNvPr id="31" name="Picture 5"/>
+          <p:cNvPicPr>
+            <a:picLocks noChangeAspect="1" noChangeArrowheads="1"/>
+          </p:cNvPicPr>
+          <p:nvPr/>
+        </p:nvPicPr>
+        <p:blipFill>
+          <a:blip r:embed="rId4" cstate="print">
+            <a:extLst>
+              <a:ext uri="{BEBA8EAE-BF5A-486C-A8C5-ECC9F3942E4B}">
+                <a14:imgProps xmlns:a14="http://schemas.microsoft.com/office/drawing/2010/main">
+                  <a14:imgLayer r:embed="rId5">
+                    <a14:imgEffect>
+                      <a14:backgroundRemoval t="8696" b="81988" l="0" r="100000"/>
+                    </a14:imgEffect>
+                  </a14:imgLayer>
+                </a14:imgProps>
+              </a:ext>
+              <a:ext uri="{28A0092B-C50C-407E-A947-70E740481C1C}">
+                <a14:useLocalDpi xmlns:a14="http://schemas.microsoft.com/office/drawing/2010/main" val="0"/>
+              </a:ext>
+            </a:extLst>
+          </a:blip>
+          <a:srcRect/>
+          <a:stretch>
+            <a:fillRect/>
+          </a:stretch>
+        </p:blipFill>
+        <p:spPr bwMode="auto">
+          <a:xfrm>
+            <a:off x="2597432" y="4941316"/>
+            <a:ext cx="725690" cy="337677"/>
+          </a:xfrm>
+          <a:prstGeom prst="rect">
+            <a:avLst/>
+          </a:prstGeom>
+          <a:noFill/>
+          <a:ln>
+            <a:noFill/>
+          </a:ln>
+          <a:effectLst/>
+          <a:extLst>
+            <a:ext uri="{909E8E84-426E-40DD-AFC4-6F175D3DCCD1}">
+              <a14:hiddenFill xmlns:a14="http://schemas.microsoft.com/office/drawing/2010/main">
+                <a:solidFill>
+                  <a:schemeClr val="accent1"/>
+                </a:solidFill>
+              </a14:hiddenFill>
+            </a:ext>
+            <a:ext uri="{91240B29-F687-4F45-9708-019B960494DF}">
+              <a14:hiddenLine xmlns:a14="http://schemas.microsoft.com/office/drawing/2010/main" w="9525">
+                <a:solidFill>
+                  <a:schemeClr val="tx1"/>
+                </a:solidFill>
+                <a:miter lim="800000"/>
+                <a:headEnd/>
+                <a:tailEnd/>
+              </a14:hiddenLine>
+            </a:ext>
+            <a:ext uri="{AF507438-7753-43E0-B8FC-AC1667EBCBE1}">
+              <a14:hiddenEffects xmlns:a14="http://schemas.microsoft.com/office/drawing/2010/main">
+                <a:effectLst>
+                  <a:outerShdw dist="35921" dir="2700000" algn="ctr" rotWithShape="0">
+                    <a:schemeClr val="bg2"/>
+                  </a:outerShdw>
+                </a:effectLst>
+              </a14:hiddenEffects>
+            </a:ext>
+          </a:extLst>
+        </p:spPr>
+      </p:pic>
+      <p:sp>
+        <p:nvSpPr>
+          <p:cNvPr id="32" name="TextBox 31"/>
+          <p:cNvSpPr txBox="1"/>
+          <p:nvPr/>
+        </p:nvSpPr>
+        <p:spPr>
+          <a:xfrm>
+            <a:off x="2486688" y="4736637"/>
+            <a:ext cx="790297" cy="276999"/>
+          </a:xfrm>
+          <a:prstGeom prst="rect">
+            <a:avLst/>
+          </a:prstGeom>
+          <a:noFill/>
+        </p:spPr>
+        <p:txBody>
+          <a:bodyPr wrap="square" rtlCol="0">
+            <a:spAutoFit/>
+          </a:bodyPr>
+          <a:lstStyle/>
+          <a:p>
+            <a:pPr algn="ctr"/>
+            <a:r>
+              <a:rPr lang="en-US" altLang="ko-KR" sz="1200" b="1" dirty="0" smtClean="0"/>
+              <a:t>330</a:t>
+            </a:r>
+            <a:r>
+              <a:rPr lang="ko-KR" altLang="ko-KR" sz="1200" b="1" dirty="0"/>
+              <a:t>Ω</a:t>
+            </a:r>
+            <a:endParaRPr lang="ko-KR" altLang="en-US" sz="1200" b="1" dirty="0"/>
+          </a:p>
+        </p:txBody>
+      </p:sp>
     </p:spTree>
     <p:extLst>
       <p:ext uri="{BB962C8B-B14F-4D97-AF65-F5344CB8AC3E}">
